--- a/PO meeting/PO Meeting Sprint 3 .pptx
+++ b/PO meeting/PO Meeting Sprint 3 .pptx
@@ -107,6 +107,11 @@
       </a:defRPr>
     </a:lvl9pPr>
   </p:defaultTextStyle>
+  <p:extLst>
+    <p:ext uri="{EFAFB233-063F-42B5-8137-9DF3F51BA10A}">
+      <p15:sldGuideLst xmlns:p15="http://schemas.microsoft.com/office/powerpoint/2012/main"/>
+    </p:ext>
+  </p:extLst>
 </p:presentation>
 </file>
 
@@ -167,7 +172,7 @@
           <a:noFill/>
           <a:extLst>
             <a:ext uri="{909E8E84-426E-40dd-AFC4-6F175D3DCCD1}">
-              <a14:hiddenFill xmlns:a14="http://schemas.microsoft.com/office/drawing/2010/main" xmlns="">
+              <a14:hiddenFill xmlns="" xmlns:a14="http://schemas.microsoft.com/office/drawing/2010/main">
                 <a:solidFill>
                   <a:srgbClr val="FFFFFF"/>
                 </a:solidFill>
@@ -227,7 +232,7 @@
             </a:ln>
             <a:extLst>
               <a:ext uri="{91240B29-F687-4f45-9708-019B960494DF}">
-                <a14:hiddenLine xmlns:a14="http://schemas.microsoft.com/office/drawing/2010/main" xmlns="" w="9525">
+                <a14:hiddenLine xmlns="" xmlns:a14="http://schemas.microsoft.com/office/drawing/2010/main" w="9525">
                   <a:solidFill>
                     <a:srgbClr val="000000"/>
                   </a:solidFill>
@@ -317,7 +322,7 @@
             </a:ln>
             <a:extLst>
               <a:ext uri="{91240B29-F687-4f45-9708-019B960494DF}">
-                <a14:hiddenLine xmlns:a14="http://schemas.microsoft.com/office/drawing/2010/main" xmlns="" w="9525">
+                <a14:hiddenLine xmlns="" xmlns:a14="http://schemas.microsoft.com/office/drawing/2010/main" w="9525">
                   <a:solidFill>
                     <a:srgbClr val="000000"/>
                   </a:solidFill>
@@ -407,7 +412,7 @@
             </a:ln>
             <a:extLst>
               <a:ext uri="{91240B29-F687-4f45-9708-019B960494DF}">
-                <a14:hiddenLine xmlns:a14="http://schemas.microsoft.com/office/drawing/2010/main" xmlns="" w="9525">
+                <a14:hiddenLine xmlns="" xmlns:a14="http://schemas.microsoft.com/office/drawing/2010/main" w="9525">
                   <a:solidFill>
                     <a:srgbClr val="000000"/>
                   </a:solidFill>
@@ -441,7 +446,7 @@
             </a:ln>
             <a:extLst>
               <a:ext uri="{91240B29-F687-4f45-9708-019B960494DF}">
-                <a14:hiddenLine xmlns:a14="http://schemas.microsoft.com/office/drawing/2010/main" xmlns="" w="9525">
+                <a14:hiddenLine xmlns="" xmlns:a14="http://schemas.microsoft.com/office/drawing/2010/main" w="9525">
                   <a:solidFill>
                     <a:srgbClr val="000000"/>
                   </a:solidFill>
@@ -531,7 +536,7 @@
             </a:ln>
             <a:extLst>
               <a:ext uri="{91240B29-F687-4f45-9708-019B960494DF}">
-                <a14:hiddenLine xmlns:a14="http://schemas.microsoft.com/office/drawing/2010/main" xmlns="" w="9525">
+                <a14:hiddenLine xmlns="" xmlns:a14="http://schemas.microsoft.com/office/drawing/2010/main" w="9525">
                   <a:solidFill>
                     <a:srgbClr val="000000"/>
                   </a:solidFill>
@@ -593,7 +598,7 @@
             </a:ln>
             <a:extLst>
               <a:ext uri="{91240B29-F687-4f45-9708-019B960494DF}">
-                <a14:hiddenLine xmlns:a14="http://schemas.microsoft.com/office/drawing/2010/main" xmlns="" w="9525">
+                <a14:hiddenLine xmlns="" xmlns:a14="http://schemas.microsoft.com/office/drawing/2010/main" w="9525">
                   <a:solidFill>
                     <a:srgbClr val="000000"/>
                   </a:solidFill>
@@ -655,7 +660,7 @@
             </a:ln>
             <a:extLst>
               <a:ext uri="{91240B29-F687-4f45-9708-019B960494DF}">
-                <a14:hiddenLine xmlns:a14="http://schemas.microsoft.com/office/drawing/2010/main" xmlns="" w="9525">
+                <a14:hiddenLine xmlns="" xmlns:a14="http://schemas.microsoft.com/office/drawing/2010/main" w="9525">
                   <a:solidFill>
                     <a:srgbClr val="000000"/>
                   </a:solidFill>
@@ -745,7 +750,7 @@
             </a:ln>
             <a:extLst>
               <a:ext uri="{91240B29-F687-4f45-9708-019B960494DF}">
-                <a14:hiddenLine xmlns:a14="http://schemas.microsoft.com/office/drawing/2010/main" xmlns="" w="9525">
+                <a14:hiddenLine xmlns="" xmlns:a14="http://schemas.microsoft.com/office/drawing/2010/main" w="9525">
                   <a:solidFill>
                     <a:srgbClr val="000000"/>
                   </a:solidFill>
@@ -807,7 +812,7 @@
             </a:ln>
             <a:extLst>
               <a:ext uri="{91240B29-F687-4f45-9708-019B960494DF}">
-                <a14:hiddenLine xmlns:a14="http://schemas.microsoft.com/office/drawing/2010/main" xmlns="" w="9525">
+                <a14:hiddenLine xmlns="" xmlns:a14="http://schemas.microsoft.com/office/drawing/2010/main" w="9525">
                   <a:solidFill>
                     <a:srgbClr val="000000"/>
                   </a:solidFill>
@@ -869,7 +874,7 @@
             </a:ln>
             <a:extLst>
               <a:ext uri="{91240B29-F687-4f45-9708-019B960494DF}">
-                <a14:hiddenLine xmlns:a14="http://schemas.microsoft.com/office/drawing/2010/main" xmlns="" w="9525">
+                <a14:hiddenLine xmlns="" xmlns:a14="http://schemas.microsoft.com/office/drawing/2010/main" w="9525">
                   <a:solidFill>
                     <a:srgbClr val="000000"/>
                   </a:solidFill>
@@ -959,7 +964,7 @@
             </a:ln>
             <a:extLst>
               <a:ext uri="{91240B29-F687-4f45-9708-019B960494DF}">
-                <a14:hiddenLine xmlns:a14="http://schemas.microsoft.com/office/drawing/2010/main" xmlns="" w="9525">
+                <a14:hiddenLine xmlns="" xmlns:a14="http://schemas.microsoft.com/office/drawing/2010/main" w="9525">
                   <a:solidFill>
                     <a:srgbClr val="000000"/>
                   </a:solidFill>
@@ -1049,7 +1054,7 @@
             </a:ln>
             <a:extLst>
               <a:ext uri="{91240B29-F687-4f45-9708-019B960494DF}">
-                <a14:hiddenLine xmlns:a14="http://schemas.microsoft.com/office/drawing/2010/main" xmlns="" w="9525">
+                <a14:hiddenLine xmlns="" xmlns:a14="http://schemas.microsoft.com/office/drawing/2010/main" w="9525">
                   <a:solidFill>
                     <a:srgbClr val="000000"/>
                   </a:solidFill>
@@ -1111,7 +1116,7 @@
             </a:ln>
             <a:extLst>
               <a:ext uri="{91240B29-F687-4f45-9708-019B960494DF}">
-                <a14:hiddenLine xmlns:a14="http://schemas.microsoft.com/office/drawing/2010/main" xmlns="" w="9525">
+                <a14:hiddenLine xmlns="" xmlns:a14="http://schemas.microsoft.com/office/drawing/2010/main" w="9525">
                   <a:solidFill>
                     <a:srgbClr val="000000"/>
                   </a:solidFill>
@@ -1221,7 +1226,7 @@
             </a:ln>
             <a:extLst>
               <a:ext uri="{91240B29-F687-4f45-9708-019B960494DF}">
-                <a14:hiddenLine xmlns:a14="http://schemas.microsoft.com/office/drawing/2010/main" xmlns="" w="9525">
+                <a14:hiddenLine xmlns="" xmlns:a14="http://schemas.microsoft.com/office/drawing/2010/main" w="9525">
                   <a:solidFill>
                     <a:srgbClr val="000000"/>
                   </a:solidFill>
@@ -1283,7 +1288,7 @@
             </a:ln>
             <a:extLst>
               <a:ext uri="{91240B29-F687-4f45-9708-019B960494DF}">
-                <a14:hiddenLine xmlns:a14="http://schemas.microsoft.com/office/drawing/2010/main" xmlns="" w="9525">
+                <a14:hiddenLine xmlns="" xmlns:a14="http://schemas.microsoft.com/office/drawing/2010/main" w="9525">
                   <a:solidFill>
                     <a:srgbClr val="000000"/>
                   </a:solidFill>
@@ -1373,7 +1378,7 @@
             </a:ln>
             <a:extLst>
               <a:ext uri="{91240B29-F687-4f45-9708-019B960494DF}">
-                <a14:hiddenLine xmlns:a14="http://schemas.microsoft.com/office/drawing/2010/main" xmlns="" w="9525">
+                <a14:hiddenLine xmlns="" xmlns:a14="http://schemas.microsoft.com/office/drawing/2010/main" w="9525">
                   <a:solidFill>
                     <a:srgbClr val="000000"/>
                   </a:solidFill>
@@ -1463,7 +1468,7 @@
             </a:ln>
             <a:extLst>
               <a:ext uri="{91240B29-F687-4f45-9708-019B960494DF}">
-                <a14:hiddenLine xmlns:a14="http://schemas.microsoft.com/office/drawing/2010/main" xmlns="" w="9525">
+                <a14:hiddenLine xmlns="" xmlns:a14="http://schemas.microsoft.com/office/drawing/2010/main" w="9525">
                   <a:solidFill>
                     <a:srgbClr val="000000"/>
                   </a:solidFill>
@@ -1525,7 +1530,7 @@
             </a:ln>
             <a:extLst>
               <a:ext uri="{91240B29-F687-4f45-9708-019B960494DF}">
-                <a14:hiddenLine xmlns:a14="http://schemas.microsoft.com/office/drawing/2010/main" xmlns="" w="9525">
+                <a14:hiddenLine xmlns="" xmlns:a14="http://schemas.microsoft.com/office/drawing/2010/main" w="9525">
                   <a:solidFill>
                     <a:srgbClr val="000000"/>
                   </a:solidFill>
@@ -1615,7 +1620,7 @@
             </a:ln>
             <a:extLst>
               <a:ext uri="{91240B29-F687-4f45-9708-019B960494DF}">
-                <a14:hiddenLine xmlns:a14="http://schemas.microsoft.com/office/drawing/2010/main" xmlns="" w="9525">
+                <a14:hiddenLine xmlns="" xmlns:a14="http://schemas.microsoft.com/office/drawing/2010/main" w="9525">
                   <a:solidFill>
                     <a:srgbClr val="000000"/>
                   </a:solidFill>
@@ -1705,7 +1710,7 @@
             </a:ln>
             <a:extLst>
               <a:ext uri="{91240B29-F687-4f45-9708-019B960494DF}">
-                <a14:hiddenLine xmlns:a14="http://schemas.microsoft.com/office/drawing/2010/main" xmlns="" w="9525">
+                <a14:hiddenLine xmlns="" xmlns:a14="http://schemas.microsoft.com/office/drawing/2010/main" w="9525">
                   <a:solidFill>
                     <a:srgbClr val="000000"/>
                   </a:solidFill>
@@ -1761,7 +1766,7 @@
             </a:ln>
             <a:extLst>
               <a:ext uri="{91240B29-F687-4f45-9708-019B960494DF}">
-                <a14:hiddenLine xmlns:a14="http://schemas.microsoft.com/office/drawing/2010/main" xmlns="" w="9525">
+                <a14:hiddenLine xmlns="" xmlns:a14="http://schemas.microsoft.com/office/drawing/2010/main" w="9525">
                   <a:solidFill>
                     <a:srgbClr val="000000"/>
                   </a:solidFill>
@@ -1851,7 +1856,7 @@
             </a:ln>
             <a:extLst>
               <a:ext uri="{91240B29-F687-4f45-9708-019B960494DF}">
-                <a14:hiddenLine xmlns:a14="http://schemas.microsoft.com/office/drawing/2010/main" xmlns="" w="9525">
+                <a14:hiddenLine xmlns="" xmlns:a14="http://schemas.microsoft.com/office/drawing/2010/main" w="9525">
                   <a:solidFill>
                     <a:srgbClr val="000000"/>
                   </a:solidFill>
@@ -1907,7 +1912,7 @@
             </a:ln>
             <a:extLst>
               <a:ext uri="{91240B29-F687-4f45-9708-019B960494DF}">
-                <a14:hiddenLine xmlns:a14="http://schemas.microsoft.com/office/drawing/2010/main" xmlns="" w="9525">
+                <a14:hiddenLine xmlns="" xmlns:a14="http://schemas.microsoft.com/office/drawing/2010/main" w="9525">
                   <a:solidFill>
                     <a:srgbClr val="000000"/>
                   </a:solidFill>
@@ -1997,7 +2002,7 @@
             </a:ln>
             <a:extLst>
               <a:ext uri="{91240B29-F687-4f45-9708-019B960494DF}">
-                <a14:hiddenLine xmlns:a14="http://schemas.microsoft.com/office/drawing/2010/main" xmlns="" w="9525">
+                <a14:hiddenLine xmlns="" xmlns:a14="http://schemas.microsoft.com/office/drawing/2010/main" w="9525">
                   <a:solidFill>
                     <a:srgbClr val="000000"/>
                   </a:solidFill>
@@ -2065,7 +2070,7 @@
             </a:ln>
             <a:extLst>
               <a:ext uri="{91240B29-F687-4f45-9708-019B960494DF}">
-                <a14:hiddenLine xmlns:a14="http://schemas.microsoft.com/office/drawing/2010/main" xmlns="" w="9525">
+                <a14:hiddenLine xmlns="" xmlns:a14="http://schemas.microsoft.com/office/drawing/2010/main" w="9525">
                   <a:solidFill>
                     <a:srgbClr val="000000"/>
                   </a:solidFill>
@@ -2155,7 +2160,7 @@
             </a:ln>
             <a:extLst>
               <a:ext uri="{91240B29-F687-4f45-9708-019B960494DF}">
-                <a14:hiddenLine xmlns:a14="http://schemas.microsoft.com/office/drawing/2010/main" xmlns="" w="9525">
+                <a14:hiddenLine xmlns="" xmlns:a14="http://schemas.microsoft.com/office/drawing/2010/main" w="9525">
                   <a:solidFill>
                     <a:srgbClr val="000000"/>
                   </a:solidFill>
@@ -2223,7 +2228,7 @@
             </a:ln>
             <a:extLst>
               <a:ext uri="{91240B29-F687-4f45-9708-019B960494DF}">
-                <a14:hiddenLine xmlns:a14="http://schemas.microsoft.com/office/drawing/2010/main" xmlns="" w="9525">
+                <a14:hiddenLine xmlns="" xmlns:a14="http://schemas.microsoft.com/office/drawing/2010/main" w="9525">
                   <a:solidFill>
                     <a:srgbClr val="000000"/>
                   </a:solidFill>
@@ -2313,7 +2318,7 @@
             </a:ln>
             <a:extLst>
               <a:ext uri="{91240B29-F687-4f45-9708-019B960494DF}">
-                <a14:hiddenLine xmlns:a14="http://schemas.microsoft.com/office/drawing/2010/main" xmlns="" w="9525">
+                <a14:hiddenLine xmlns="" xmlns:a14="http://schemas.microsoft.com/office/drawing/2010/main" w="9525">
                   <a:solidFill>
                     <a:srgbClr val="000000"/>
                   </a:solidFill>
@@ -2347,7 +2352,7 @@
             </a:ln>
             <a:extLst>
               <a:ext uri="{91240B29-F687-4f45-9708-019B960494DF}">
-                <a14:hiddenLine xmlns:a14="http://schemas.microsoft.com/office/drawing/2010/main" xmlns="" w="9525">
+                <a14:hiddenLine xmlns="" xmlns:a14="http://schemas.microsoft.com/office/drawing/2010/main" w="9525">
                   <a:solidFill>
                     <a:srgbClr val="000000"/>
                   </a:solidFill>
@@ -2437,7 +2442,7 @@
             </a:ln>
             <a:extLst>
               <a:ext uri="{91240B29-F687-4f45-9708-019B960494DF}">
-                <a14:hiddenLine xmlns:a14="http://schemas.microsoft.com/office/drawing/2010/main" xmlns="" w="9525">
+                <a14:hiddenLine xmlns="" xmlns:a14="http://schemas.microsoft.com/office/drawing/2010/main" w="9525">
                   <a:solidFill>
                     <a:srgbClr val="000000"/>
                   </a:solidFill>
@@ -2499,7 +2504,7 @@
             </a:ln>
             <a:extLst>
               <a:ext uri="{91240B29-F687-4f45-9708-019B960494DF}">
-                <a14:hiddenLine xmlns:a14="http://schemas.microsoft.com/office/drawing/2010/main" xmlns="" w="9525">
+                <a14:hiddenLine xmlns="" xmlns:a14="http://schemas.microsoft.com/office/drawing/2010/main" w="9525">
                   <a:solidFill>
                     <a:srgbClr val="000000"/>
                   </a:solidFill>
@@ -2561,7 +2566,7 @@
             </a:ln>
             <a:extLst>
               <a:ext uri="{91240B29-F687-4f45-9708-019B960494DF}">
-                <a14:hiddenLine xmlns:a14="http://schemas.microsoft.com/office/drawing/2010/main" xmlns="" w="9525">
+                <a14:hiddenLine xmlns="" xmlns:a14="http://schemas.microsoft.com/office/drawing/2010/main" w="9525">
                   <a:solidFill>
                     <a:srgbClr val="000000"/>
                   </a:solidFill>
@@ -2651,7 +2656,7 @@
             </a:ln>
             <a:extLst>
               <a:ext uri="{91240B29-F687-4f45-9708-019B960494DF}">
-                <a14:hiddenLine xmlns:a14="http://schemas.microsoft.com/office/drawing/2010/main" xmlns="" w="9525">
+                <a14:hiddenLine xmlns="" xmlns:a14="http://schemas.microsoft.com/office/drawing/2010/main" w="9525">
                   <a:solidFill>
                     <a:srgbClr val="000000"/>
                   </a:solidFill>
@@ -2719,7 +2724,7 @@
             </a:ln>
             <a:extLst>
               <a:ext uri="{91240B29-F687-4f45-9708-019B960494DF}">
-                <a14:hiddenLine xmlns:a14="http://schemas.microsoft.com/office/drawing/2010/main" xmlns="" w="9525">
+                <a14:hiddenLine xmlns="" xmlns:a14="http://schemas.microsoft.com/office/drawing/2010/main" w="9525">
                   <a:solidFill>
                     <a:srgbClr val="000000"/>
                   </a:solidFill>
@@ -2781,7 +2786,7 @@
             </a:ln>
             <a:extLst>
               <a:ext uri="{91240B29-F687-4f45-9708-019B960494DF}">
-                <a14:hiddenLine xmlns:a14="http://schemas.microsoft.com/office/drawing/2010/main" xmlns="" w="9525">
+                <a14:hiddenLine xmlns="" xmlns:a14="http://schemas.microsoft.com/office/drawing/2010/main" w="9525">
                   <a:solidFill>
                     <a:srgbClr val="000000"/>
                   </a:solidFill>
@@ -2871,7 +2876,7 @@
             </a:ln>
             <a:extLst>
               <a:ext uri="{91240B29-F687-4f45-9708-019B960494DF}">
-                <a14:hiddenLine xmlns:a14="http://schemas.microsoft.com/office/drawing/2010/main" xmlns="" w="9525">
+                <a14:hiddenLine xmlns="" xmlns:a14="http://schemas.microsoft.com/office/drawing/2010/main" w="9525">
                   <a:solidFill>
                     <a:srgbClr val="000000"/>
                   </a:solidFill>
@@ -2933,7 +2938,7 @@
             </a:ln>
             <a:extLst>
               <a:ext uri="{91240B29-F687-4f45-9708-019B960494DF}">
-                <a14:hiddenLine xmlns:a14="http://schemas.microsoft.com/office/drawing/2010/main" xmlns="" w="9525">
+                <a14:hiddenLine xmlns="" xmlns:a14="http://schemas.microsoft.com/office/drawing/2010/main" w="9525">
                   <a:solidFill>
                     <a:srgbClr val="000000"/>
                   </a:solidFill>
@@ -3023,7 +3028,7 @@
             </a:ln>
             <a:extLst>
               <a:ext uri="{91240B29-F687-4f45-9708-019B960494DF}">
-                <a14:hiddenLine xmlns:a14="http://schemas.microsoft.com/office/drawing/2010/main" xmlns="" w="9525">
+                <a14:hiddenLine xmlns="" xmlns:a14="http://schemas.microsoft.com/office/drawing/2010/main" w="9525">
                   <a:solidFill>
                     <a:srgbClr val="000000"/>
                   </a:solidFill>
@@ -3085,7 +3090,7 @@
             </a:ln>
             <a:extLst>
               <a:ext uri="{91240B29-F687-4f45-9708-019B960494DF}">
-                <a14:hiddenLine xmlns:a14="http://schemas.microsoft.com/office/drawing/2010/main" xmlns="" w="9525">
+                <a14:hiddenLine xmlns="" xmlns:a14="http://schemas.microsoft.com/office/drawing/2010/main" w="9525">
                   <a:solidFill>
                     <a:srgbClr val="000000"/>
                   </a:solidFill>
@@ -3175,7 +3180,7 @@
             </a:ln>
             <a:extLst>
               <a:ext uri="{91240B29-F687-4f45-9708-019B960494DF}">
-                <a14:hiddenLine xmlns:a14="http://schemas.microsoft.com/office/drawing/2010/main" xmlns="" w="9525">
+                <a14:hiddenLine xmlns="" xmlns:a14="http://schemas.microsoft.com/office/drawing/2010/main" w="9525">
                   <a:solidFill>
                     <a:srgbClr val="000000"/>
                   </a:solidFill>
@@ -3209,7 +3214,7 @@
             </a:ln>
             <a:extLst>
               <a:ext uri="{91240B29-F687-4f45-9708-019B960494DF}">
-                <a14:hiddenLine xmlns:a14="http://schemas.microsoft.com/office/drawing/2010/main" xmlns="" w="9525">
+                <a14:hiddenLine xmlns="" xmlns:a14="http://schemas.microsoft.com/office/drawing/2010/main" w="9525">
                   <a:solidFill>
                     <a:srgbClr val="000000"/>
                   </a:solidFill>
@@ -3274,7 +3279,7 @@
             </a:ln>
             <a:extLst>
               <a:ext uri="{91240B29-F687-4f45-9708-019B960494DF}">
-                <a14:hiddenLine xmlns:a14="http://schemas.microsoft.com/office/drawing/2010/main" xmlns="" w="9525">
+                <a14:hiddenLine xmlns="" xmlns:a14="http://schemas.microsoft.com/office/drawing/2010/main" w="9525">
                   <a:solidFill>
                     <a:srgbClr val="000000"/>
                   </a:solidFill>
@@ -3364,7 +3369,7 @@
             </a:ln>
             <a:extLst>
               <a:ext uri="{91240B29-F687-4f45-9708-019B960494DF}">
-                <a14:hiddenLine xmlns:a14="http://schemas.microsoft.com/office/drawing/2010/main" xmlns="" w="9525">
+                <a14:hiddenLine xmlns="" xmlns:a14="http://schemas.microsoft.com/office/drawing/2010/main" w="9525">
                   <a:solidFill>
                     <a:srgbClr val="000000"/>
                   </a:solidFill>
@@ -3426,7 +3431,7 @@
             </a:ln>
             <a:extLst>
               <a:ext uri="{91240B29-F687-4f45-9708-019B960494DF}">
-                <a14:hiddenLine xmlns:a14="http://schemas.microsoft.com/office/drawing/2010/main" xmlns="" w="9525">
+                <a14:hiddenLine xmlns="" xmlns:a14="http://schemas.microsoft.com/office/drawing/2010/main" w="9525">
                   <a:solidFill>
                     <a:srgbClr val="000000"/>
                   </a:solidFill>
@@ -3516,7 +3521,7 @@
             </a:ln>
             <a:extLst>
               <a:ext uri="{91240B29-F687-4f45-9708-019B960494DF}">
-                <a14:hiddenLine xmlns:a14="http://schemas.microsoft.com/office/drawing/2010/main" xmlns="" w="9525">
+                <a14:hiddenLine xmlns="" xmlns:a14="http://schemas.microsoft.com/office/drawing/2010/main" w="9525">
                   <a:solidFill>
                     <a:srgbClr val="000000"/>
                   </a:solidFill>
@@ -3606,7 +3611,7 @@
             </a:ln>
             <a:extLst>
               <a:ext uri="{91240B29-F687-4f45-9708-019B960494DF}">
-                <a14:hiddenLine xmlns:a14="http://schemas.microsoft.com/office/drawing/2010/main" xmlns="" w="9525">
+                <a14:hiddenLine xmlns="" xmlns:a14="http://schemas.microsoft.com/office/drawing/2010/main" w="9525">
                   <a:solidFill>
                     <a:srgbClr val="000000"/>
                   </a:solidFill>
@@ -3671,7 +3676,7 @@
             </a:ln>
             <a:extLst>
               <a:ext uri="{91240B29-F687-4f45-9708-019B960494DF}">
-                <a14:hiddenLine xmlns:a14="http://schemas.microsoft.com/office/drawing/2010/main" xmlns="" w="9525">
+                <a14:hiddenLine xmlns="" xmlns:a14="http://schemas.microsoft.com/office/drawing/2010/main" w="9525">
                   <a:solidFill>
                     <a:srgbClr val="000000"/>
                   </a:solidFill>
@@ -3733,7 +3738,7 @@
             </a:ln>
             <a:extLst>
               <a:ext uri="{91240B29-F687-4f45-9708-019B960494DF}">
-                <a14:hiddenLine xmlns:a14="http://schemas.microsoft.com/office/drawing/2010/main" xmlns="" w="9525">
+                <a14:hiddenLine xmlns="" xmlns:a14="http://schemas.microsoft.com/office/drawing/2010/main" w="9525">
                   <a:solidFill>
                     <a:srgbClr val="000000"/>
                   </a:solidFill>
@@ -3823,7 +3828,7 @@
             </a:ln>
             <a:extLst>
               <a:ext uri="{91240B29-F687-4f45-9708-019B960494DF}">
-                <a14:hiddenLine xmlns:a14="http://schemas.microsoft.com/office/drawing/2010/main" xmlns="" w="9525">
+                <a14:hiddenLine xmlns="" xmlns:a14="http://schemas.microsoft.com/office/drawing/2010/main" w="9525">
                   <a:solidFill>
                     <a:srgbClr val="000000"/>
                   </a:solidFill>
@@ -3913,7 +3918,7 @@
             </a:ln>
             <a:extLst>
               <a:ext uri="{91240B29-F687-4f45-9708-019B960494DF}">
-                <a14:hiddenLine xmlns:a14="http://schemas.microsoft.com/office/drawing/2010/main" xmlns="" w="9525">
+                <a14:hiddenLine xmlns="" xmlns:a14="http://schemas.microsoft.com/office/drawing/2010/main" w="9525">
                   <a:solidFill>
                     <a:srgbClr val="000000"/>
                   </a:solidFill>
@@ -3975,7 +3980,7 @@
             </a:ln>
             <a:extLst>
               <a:ext uri="{91240B29-F687-4f45-9708-019B960494DF}">
-                <a14:hiddenLine xmlns:a14="http://schemas.microsoft.com/office/drawing/2010/main" xmlns="" w="9525">
+                <a14:hiddenLine xmlns="" xmlns:a14="http://schemas.microsoft.com/office/drawing/2010/main" w="9525">
                   <a:solidFill>
                     <a:srgbClr val="000000"/>
                   </a:solidFill>
@@ -4095,7 +4100,7 @@
             </a:ln>
             <a:extLst>
               <a:ext uri="{91240B29-F687-4f45-9708-019B960494DF}">
-                <a14:hiddenLine xmlns:a14="http://schemas.microsoft.com/office/drawing/2010/main" xmlns="" w="9525">
+                <a14:hiddenLine xmlns="" xmlns:a14="http://schemas.microsoft.com/office/drawing/2010/main" w="9525">
                   <a:solidFill>
                     <a:srgbClr val="000000"/>
                   </a:solidFill>
@@ -4163,7 +4168,7 @@
             </a:ln>
             <a:extLst>
               <a:ext uri="{91240B29-F687-4f45-9708-019B960494DF}">
-                <a14:hiddenLine xmlns:a14="http://schemas.microsoft.com/office/drawing/2010/main" xmlns="" w="9525">
+                <a14:hiddenLine xmlns="" xmlns:a14="http://schemas.microsoft.com/office/drawing/2010/main" w="9525">
                   <a:solidFill>
                     <a:srgbClr val="000000"/>
                   </a:solidFill>
@@ -4253,7 +4258,7 @@
             </a:ln>
             <a:extLst>
               <a:ext uri="{91240B29-F687-4f45-9708-019B960494DF}">
-                <a14:hiddenLine xmlns:a14="http://schemas.microsoft.com/office/drawing/2010/main" xmlns="" w="9525">
+                <a14:hiddenLine xmlns="" xmlns:a14="http://schemas.microsoft.com/office/drawing/2010/main" w="9525">
                   <a:solidFill>
                     <a:srgbClr val="000000"/>
                   </a:solidFill>
@@ -8982,7 +8987,7 @@
           <a:noFill/>
           <a:extLst>
             <a:ext uri="{909E8E84-426E-40dd-AFC4-6F175D3DCCD1}">
-              <a14:hiddenFill xmlns:a14="http://schemas.microsoft.com/office/drawing/2010/main" xmlns="">
+              <a14:hiddenFill xmlns="" xmlns:a14="http://schemas.microsoft.com/office/drawing/2010/main">
                 <a:solidFill>
                   <a:srgbClr val="FFFFFF"/>
                 </a:solidFill>
@@ -9056,7 +9061,7 @@
               </a:ln>
               <a:extLst>
                 <a:ext uri="{91240B29-F687-4f45-9708-019B960494DF}">
-                  <a14:hiddenLine xmlns:a14="http://schemas.microsoft.com/office/drawing/2010/main" xmlns="" w="9525">
+                  <a14:hiddenLine xmlns="" xmlns:a14="http://schemas.microsoft.com/office/drawing/2010/main" w="9525">
                     <a:solidFill>
                       <a:srgbClr val="000000"/>
                     </a:solidFill>
@@ -9146,7 +9151,7 @@
               </a:ln>
               <a:extLst>
                 <a:ext uri="{91240B29-F687-4f45-9708-019B960494DF}">
-                  <a14:hiddenLine xmlns:a14="http://schemas.microsoft.com/office/drawing/2010/main" xmlns="" w="9525">
+                  <a14:hiddenLine xmlns="" xmlns:a14="http://schemas.microsoft.com/office/drawing/2010/main" w="9525">
                     <a:solidFill>
                       <a:srgbClr val="000000"/>
                     </a:solidFill>
@@ -9236,7 +9241,7 @@
               </a:ln>
               <a:extLst>
                 <a:ext uri="{91240B29-F687-4f45-9708-019B960494DF}">
-                  <a14:hiddenLine xmlns:a14="http://schemas.microsoft.com/office/drawing/2010/main" xmlns="" w="9525">
+                  <a14:hiddenLine xmlns="" xmlns:a14="http://schemas.microsoft.com/office/drawing/2010/main" w="9525">
                     <a:solidFill>
                       <a:srgbClr val="000000"/>
                     </a:solidFill>
@@ -9298,7 +9303,7 @@
               </a:ln>
               <a:extLst>
                 <a:ext uri="{91240B29-F687-4f45-9708-019B960494DF}">
-                  <a14:hiddenLine xmlns:a14="http://schemas.microsoft.com/office/drawing/2010/main" xmlns="" w="9525">
+                  <a14:hiddenLine xmlns="" xmlns:a14="http://schemas.microsoft.com/office/drawing/2010/main" w="9525">
                     <a:solidFill>
                       <a:srgbClr val="000000"/>
                     </a:solidFill>
@@ -9388,7 +9393,7 @@
               </a:ln>
               <a:extLst>
                 <a:ext uri="{91240B29-F687-4f45-9708-019B960494DF}">
-                  <a14:hiddenLine xmlns:a14="http://schemas.microsoft.com/office/drawing/2010/main" xmlns="" w="9525">
+                  <a14:hiddenLine xmlns="" xmlns:a14="http://schemas.microsoft.com/office/drawing/2010/main" w="9525">
                     <a:solidFill>
                       <a:srgbClr val="000000"/>
                     </a:solidFill>
@@ -9450,7 +9455,7 @@
               </a:ln>
               <a:extLst>
                 <a:ext uri="{91240B29-F687-4f45-9708-019B960494DF}">
-                  <a14:hiddenLine xmlns:a14="http://schemas.microsoft.com/office/drawing/2010/main" xmlns="" w="9525">
+                  <a14:hiddenLine xmlns="" xmlns:a14="http://schemas.microsoft.com/office/drawing/2010/main" w="9525">
                     <a:solidFill>
                       <a:srgbClr val="000000"/>
                     </a:solidFill>
@@ -9512,7 +9517,7 @@
               </a:ln>
               <a:extLst>
                 <a:ext uri="{91240B29-F687-4f45-9708-019B960494DF}">
-                  <a14:hiddenLine xmlns:a14="http://schemas.microsoft.com/office/drawing/2010/main" xmlns="" w="9525">
+                  <a14:hiddenLine xmlns="" xmlns:a14="http://schemas.microsoft.com/office/drawing/2010/main" w="9525">
                     <a:solidFill>
                       <a:srgbClr val="000000"/>
                     </a:solidFill>
@@ -9602,7 +9607,7 @@
               </a:ln>
               <a:extLst>
                 <a:ext uri="{91240B29-F687-4f45-9708-019B960494DF}">
-                  <a14:hiddenLine xmlns:a14="http://schemas.microsoft.com/office/drawing/2010/main" xmlns="" w="9525">
+                  <a14:hiddenLine xmlns="" xmlns:a14="http://schemas.microsoft.com/office/drawing/2010/main" w="9525">
                     <a:solidFill>
                       <a:srgbClr val="000000"/>
                     </a:solidFill>
@@ -9692,7 +9697,7 @@
               </a:ln>
               <a:extLst>
                 <a:ext uri="{91240B29-F687-4f45-9708-019B960494DF}">
-                  <a14:hiddenLine xmlns:a14="http://schemas.microsoft.com/office/drawing/2010/main" xmlns="" w="9525">
+                  <a14:hiddenLine xmlns="" xmlns:a14="http://schemas.microsoft.com/office/drawing/2010/main" w="9525">
                     <a:solidFill>
                       <a:srgbClr val="000000"/>
                     </a:solidFill>
@@ -9754,7 +9759,7 @@
               </a:ln>
               <a:extLst>
                 <a:ext uri="{91240B29-F687-4f45-9708-019B960494DF}">
-                  <a14:hiddenLine xmlns:a14="http://schemas.microsoft.com/office/drawing/2010/main" xmlns="" w="9525">
+                  <a14:hiddenLine xmlns="" xmlns:a14="http://schemas.microsoft.com/office/drawing/2010/main" w="9525">
                     <a:solidFill>
                       <a:srgbClr val="000000"/>
                     </a:solidFill>
@@ -9864,7 +9869,7 @@
               </a:ln>
               <a:extLst>
                 <a:ext uri="{91240B29-F687-4f45-9708-019B960494DF}">
-                  <a14:hiddenLine xmlns:a14="http://schemas.microsoft.com/office/drawing/2010/main" xmlns="" w="9525">
+                  <a14:hiddenLine xmlns="" xmlns:a14="http://schemas.microsoft.com/office/drawing/2010/main" w="9525">
                     <a:solidFill>
                       <a:srgbClr val="000000"/>
                     </a:solidFill>
@@ -9948,7 +9953,7 @@
               </a:ln>
               <a:extLst>
                 <a:ext uri="{91240B29-F687-4f45-9708-019B960494DF}">
-                  <a14:hiddenLine xmlns:a14="http://schemas.microsoft.com/office/drawing/2010/main" xmlns="" w="9525">
+                  <a14:hiddenLine xmlns="" xmlns:a14="http://schemas.microsoft.com/office/drawing/2010/main" w="9525">
                     <a:solidFill>
                       <a:srgbClr val="000000"/>
                     </a:solidFill>
@@ -10010,7 +10015,7 @@
               </a:ln>
               <a:extLst>
                 <a:ext uri="{91240B29-F687-4f45-9708-019B960494DF}">
-                  <a14:hiddenLine xmlns:a14="http://schemas.microsoft.com/office/drawing/2010/main" xmlns="" w="9525">
+                  <a14:hiddenLine xmlns="" xmlns:a14="http://schemas.microsoft.com/office/drawing/2010/main" w="9525">
                     <a:solidFill>
                       <a:srgbClr val="000000"/>
                     </a:solidFill>
@@ -10072,7 +10077,7 @@
               </a:ln>
               <a:extLst>
                 <a:ext uri="{91240B29-F687-4f45-9708-019B960494DF}">
-                  <a14:hiddenLine xmlns:a14="http://schemas.microsoft.com/office/drawing/2010/main" xmlns="" w="9525">
+                  <a14:hiddenLine xmlns="" xmlns:a14="http://schemas.microsoft.com/office/drawing/2010/main" w="9525">
                     <a:solidFill>
                       <a:srgbClr val="000000"/>
                     </a:solidFill>
@@ -10162,7 +10167,7 @@
               </a:ln>
               <a:extLst>
                 <a:ext uri="{91240B29-F687-4f45-9708-019B960494DF}">
-                  <a14:hiddenLine xmlns:a14="http://schemas.microsoft.com/office/drawing/2010/main" xmlns="" w="9525">
+                  <a14:hiddenLine xmlns="" xmlns:a14="http://schemas.microsoft.com/office/drawing/2010/main" w="9525">
                     <a:solidFill>
                       <a:srgbClr val="000000"/>
                     </a:solidFill>
@@ -10196,7 +10201,7 @@
               </a:ln>
               <a:extLst>
                 <a:ext uri="{91240B29-F687-4f45-9708-019B960494DF}">
-                  <a14:hiddenLine xmlns:a14="http://schemas.microsoft.com/office/drawing/2010/main" xmlns="" w="9525">
+                  <a14:hiddenLine xmlns="" xmlns:a14="http://schemas.microsoft.com/office/drawing/2010/main" w="9525">
                     <a:solidFill>
                       <a:srgbClr val="000000"/>
                     </a:solidFill>
@@ -10261,7 +10266,7 @@
               </a:ln>
               <a:extLst>
                 <a:ext uri="{91240B29-F687-4f45-9708-019B960494DF}">
-                  <a14:hiddenLine xmlns:a14="http://schemas.microsoft.com/office/drawing/2010/main" xmlns="" w="9525">
+                  <a14:hiddenLine xmlns="" xmlns:a14="http://schemas.microsoft.com/office/drawing/2010/main" w="9525">
                     <a:solidFill>
                       <a:srgbClr val="000000"/>
                     </a:solidFill>
@@ -10351,7 +10356,7 @@
               </a:ln>
               <a:extLst>
                 <a:ext uri="{91240B29-F687-4f45-9708-019B960494DF}">
-                  <a14:hiddenLine xmlns:a14="http://schemas.microsoft.com/office/drawing/2010/main" xmlns="" w="9525">
+                  <a14:hiddenLine xmlns="" xmlns:a14="http://schemas.microsoft.com/office/drawing/2010/main" w="9525">
                     <a:solidFill>
                       <a:srgbClr val="000000"/>
                     </a:solidFill>
@@ -10413,7 +10418,7 @@
               </a:ln>
               <a:extLst>
                 <a:ext uri="{91240B29-F687-4f45-9708-019B960494DF}">
-                  <a14:hiddenLine xmlns:a14="http://schemas.microsoft.com/office/drawing/2010/main" xmlns="" w="9525">
+                  <a14:hiddenLine xmlns="" xmlns:a14="http://schemas.microsoft.com/office/drawing/2010/main" w="9525">
                     <a:solidFill>
                       <a:srgbClr val="000000"/>
                     </a:solidFill>
@@ -10503,7 +10508,7 @@
               </a:ln>
               <a:extLst>
                 <a:ext uri="{91240B29-F687-4f45-9708-019B960494DF}">
-                  <a14:hiddenLine xmlns:a14="http://schemas.microsoft.com/office/drawing/2010/main" xmlns="" w="9525">
+                  <a14:hiddenLine xmlns="" xmlns:a14="http://schemas.microsoft.com/office/drawing/2010/main" w="9525">
                     <a:solidFill>
                       <a:srgbClr val="000000"/>
                     </a:solidFill>
@@ -10568,7 +10573,7 @@
               </a:ln>
               <a:extLst>
                 <a:ext uri="{91240B29-F687-4f45-9708-019B960494DF}">
-                  <a14:hiddenLine xmlns:a14="http://schemas.microsoft.com/office/drawing/2010/main" xmlns="" w="9525">
+                  <a14:hiddenLine xmlns="" xmlns:a14="http://schemas.microsoft.com/office/drawing/2010/main" w="9525">
                     <a:solidFill>
                       <a:srgbClr val="000000"/>
                     </a:solidFill>
@@ -10630,7 +10635,7 @@
               </a:ln>
               <a:extLst>
                 <a:ext uri="{91240B29-F687-4f45-9708-019B960494DF}">
-                  <a14:hiddenLine xmlns:a14="http://schemas.microsoft.com/office/drawing/2010/main" xmlns="" w="9525">
+                  <a14:hiddenLine xmlns="" xmlns:a14="http://schemas.microsoft.com/office/drawing/2010/main" w="9525">
                     <a:solidFill>
                       <a:srgbClr val="000000"/>
                     </a:solidFill>
@@ -10720,7 +10725,7 @@
               </a:ln>
               <a:extLst>
                 <a:ext uri="{91240B29-F687-4f45-9708-019B960494DF}">
-                  <a14:hiddenLine xmlns:a14="http://schemas.microsoft.com/office/drawing/2010/main" xmlns="" w="9525">
+                  <a14:hiddenLine xmlns="" xmlns:a14="http://schemas.microsoft.com/office/drawing/2010/main" w="9525">
                     <a:solidFill>
                       <a:srgbClr val="000000"/>
                     </a:solidFill>
@@ -10810,7 +10815,7 @@
               </a:ln>
               <a:extLst>
                 <a:ext uri="{91240B29-F687-4f45-9708-019B960494DF}">
-                  <a14:hiddenLine xmlns:a14="http://schemas.microsoft.com/office/drawing/2010/main" xmlns="" w="9525">
+                  <a14:hiddenLine xmlns="" xmlns:a14="http://schemas.microsoft.com/office/drawing/2010/main" w="9525">
                     <a:solidFill>
                       <a:srgbClr val="000000"/>
                     </a:solidFill>
@@ -10875,7 +10880,7 @@
               </a:ln>
               <a:extLst>
                 <a:ext uri="{91240B29-F687-4f45-9708-019B960494DF}">
-                  <a14:hiddenLine xmlns:a14="http://schemas.microsoft.com/office/drawing/2010/main" xmlns="" w="9525">
+                  <a14:hiddenLine xmlns="" xmlns:a14="http://schemas.microsoft.com/office/drawing/2010/main" w="9525">
                     <a:solidFill>
                       <a:srgbClr val="000000"/>
                     </a:solidFill>
@@ -10995,7 +11000,7 @@
               </a:ln>
               <a:extLst>
                 <a:ext uri="{91240B29-F687-4f45-9708-019B960494DF}">
-                  <a14:hiddenLine xmlns:a14="http://schemas.microsoft.com/office/drawing/2010/main" xmlns="" w="9525">
+                  <a14:hiddenLine xmlns="" xmlns:a14="http://schemas.microsoft.com/office/drawing/2010/main" w="9525">
                     <a:solidFill>
                       <a:srgbClr val="000000"/>
                     </a:solidFill>
@@ -11093,7 +11098,7 @@
               </a:ln>
               <a:extLst>
                 <a:ext uri="{91240B29-F687-4f45-9708-019B960494DF}">
-                  <a14:hiddenLine xmlns:a14="http://schemas.microsoft.com/office/drawing/2010/main" xmlns="" w="9525">
+                  <a14:hiddenLine xmlns="" xmlns:a14="http://schemas.microsoft.com/office/drawing/2010/main" w="9525">
                     <a:solidFill>
                       <a:srgbClr val="000000"/>
                     </a:solidFill>
@@ -11208,7 +11213,7 @@
               </a:ln>
               <a:extLst>
                 <a:ext uri="{91240B29-F687-4f45-9708-019B960494DF}">
-                  <a14:hiddenLine xmlns:a14="http://schemas.microsoft.com/office/drawing/2010/main" xmlns="" w="9525">
+                  <a14:hiddenLine xmlns="" xmlns:a14="http://schemas.microsoft.com/office/drawing/2010/main" w="9525">
                     <a:solidFill>
                       <a:srgbClr val="000000"/>
                     </a:solidFill>
@@ -11298,7 +11303,7 @@
               </a:ln>
               <a:extLst>
                 <a:ext uri="{91240B29-F687-4f45-9708-019B960494DF}">
-                  <a14:hiddenLine xmlns:a14="http://schemas.microsoft.com/office/drawing/2010/main" xmlns="" w="9525">
+                  <a14:hiddenLine xmlns="" xmlns:a14="http://schemas.microsoft.com/office/drawing/2010/main" w="9525">
                     <a:solidFill>
                       <a:srgbClr val="000000"/>
                     </a:solidFill>
@@ -11363,7 +11368,7 @@
               </a:ln>
               <a:extLst>
                 <a:ext uri="{91240B29-F687-4f45-9708-019B960494DF}">
-                  <a14:hiddenLine xmlns:a14="http://schemas.microsoft.com/office/drawing/2010/main" xmlns="" w="9525">
+                  <a14:hiddenLine xmlns="" xmlns:a14="http://schemas.microsoft.com/office/drawing/2010/main" w="9525">
                     <a:solidFill>
                       <a:srgbClr val="000000"/>
                     </a:solidFill>
@@ -11453,7 +11458,7 @@
               </a:ln>
               <a:extLst>
                 <a:ext uri="{91240B29-F687-4f45-9708-019B960494DF}">
-                  <a14:hiddenLine xmlns:a14="http://schemas.microsoft.com/office/drawing/2010/main" xmlns="" w="9525">
+                  <a14:hiddenLine xmlns="" xmlns:a14="http://schemas.microsoft.com/office/drawing/2010/main" w="9525">
                     <a:solidFill>
                       <a:srgbClr val="000000"/>
                     </a:solidFill>
@@ -11521,7 +11526,7 @@
               </a:ln>
               <a:extLst>
                 <a:ext uri="{91240B29-F687-4f45-9708-019B960494DF}">
-                  <a14:hiddenLine xmlns:a14="http://schemas.microsoft.com/office/drawing/2010/main" xmlns="" w="9525">
+                  <a14:hiddenLine xmlns="" xmlns:a14="http://schemas.microsoft.com/office/drawing/2010/main" w="9525">
                     <a:solidFill>
                       <a:srgbClr val="000000"/>
                     </a:solidFill>
@@ -11611,7 +11616,7 @@
               </a:ln>
               <a:extLst>
                 <a:ext uri="{91240B29-F687-4f45-9708-019B960494DF}">
-                  <a14:hiddenLine xmlns:a14="http://schemas.microsoft.com/office/drawing/2010/main" xmlns="" w="9525">
+                  <a14:hiddenLine xmlns="" xmlns:a14="http://schemas.microsoft.com/office/drawing/2010/main" w="9525">
                     <a:solidFill>
                       <a:srgbClr val="000000"/>
                     </a:solidFill>
@@ -11679,7 +11684,7 @@
               </a:ln>
               <a:extLst>
                 <a:ext uri="{91240B29-F687-4f45-9708-019B960494DF}">
-                  <a14:hiddenLine xmlns:a14="http://schemas.microsoft.com/office/drawing/2010/main" xmlns="" w="9525">
+                  <a14:hiddenLine xmlns="" xmlns:a14="http://schemas.microsoft.com/office/drawing/2010/main" w="9525">
                     <a:solidFill>
                       <a:srgbClr val="000000"/>
                     </a:solidFill>
@@ -11769,7 +11774,7 @@
               </a:ln>
               <a:extLst>
                 <a:ext uri="{91240B29-F687-4f45-9708-019B960494DF}">
-                  <a14:hiddenLine xmlns:a14="http://schemas.microsoft.com/office/drawing/2010/main" xmlns="" w="9525">
+                  <a14:hiddenLine xmlns="" xmlns:a14="http://schemas.microsoft.com/office/drawing/2010/main" w="9525">
                     <a:solidFill>
                       <a:srgbClr val="000000"/>
                     </a:solidFill>
@@ -11803,7 +11808,7 @@
               </a:ln>
               <a:extLst>
                 <a:ext uri="{91240B29-F687-4f45-9708-019B960494DF}">
-                  <a14:hiddenLine xmlns:a14="http://schemas.microsoft.com/office/drawing/2010/main" xmlns="" w="9525">
+                  <a14:hiddenLine xmlns="" xmlns:a14="http://schemas.microsoft.com/office/drawing/2010/main" w="9525">
                     <a:solidFill>
                       <a:srgbClr val="000000"/>
                     </a:solidFill>
@@ -12588,25 +12593,80 @@
           <a:lstStyle/>
           <a:p>
             <a:r>
-              <a:rPr lang="nl-NL" dirty="0"/>
-              <a:t>US9.1 Als gebruiker wil ik altijd terug kunnen keren naar het hoofdmenu</a:t>
+              <a:rPr lang="en-US" dirty="0"/>
+              <a:t>GUI</a:t>
             </a:r>
           </a:p>
           <a:p>
             <a:r>
-              <a:rPr lang="nl-NL" dirty="0"/>
-              <a:t>US15.1 Als gebruiker wil ik dat er een snelkeuze is voor 70 euro pinnen</a:t>
+              <a:rPr lang="en-US" dirty="0"/>
+              <a:t>Bon printer</a:t>
             </a:r>
           </a:p>
           <a:p>
             <a:r>
-              <a:rPr lang="nl-NL" dirty="0"/>
-              <a:t>US7.1 Als gebruiker wil ik een duidelijke en leesbare bon</a:t>
+              <a:rPr lang="en-US" dirty="0" err="1"/>
+              <a:t>Beveiligingsrapport</a:t>
+            </a:r>
+            <a:r>
+              <a:rPr lang="en-US" dirty="0"/>
+              <a:t> </a:t>
+            </a:r>
+          </a:p>
+          <a:p>
+            <a:r>
+              <a:rPr lang="en-US" dirty="0"/>
+              <a:t>RFID, Keypad</a:t>
+            </a:r>
+          </a:p>
+          <a:p>
+            <a:r>
+              <a:rPr lang="en-US" dirty="0" err="1"/>
+              <a:t>Risicolog</a:t>
+            </a:r>
+            <a:r>
+              <a:rPr lang="en-US" dirty="0"/>
+              <a:t> </a:t>
+            </a:r>
+          </a:p>
+          <a:p>
+            <a:r>
+              <a:rPr lang="en-US" dirty="0"/>
+              <a:t>Database </a:t>
             </a:r>
             <a:endParaRPr lang="en-NL" dirty="0"/>
           </a:p>
         </p:txBody>
       </p:sp>
+      <p:pic>
+        <p:nvPicPr>
+          <p:cNvPr id="4" name="Picture 3">
+            <a:extLst>
+              <a:ext uri="{FF2B5EF4-FFF2-40B4-BE49-F238E27FC236}">
+                <a16:creationId xmlns:a16="http://schemas.microsoft.com/office/drawing/2014/main" id="{12B9EDF4-C89A-42D7-940E-CF1D082A5171}"/>
+              </a:ext>
+            </a:extLst>
+          </p:cNvPr>
+          <p:cNvPicPr>
+            <a:picLocks noChangeAspect="1"/>
+          </p:cNvPicPr>
+          <p:nvPr/>
+        </p:nvPicPr>
+        <p:blipFill rotWithShape="1">
+          <a:blip r:embed="rId2"/>
+          <a:srcRect l="1438" t="931" r="2716" b="1156"/>
+          <a:stretch/>
+        </p:blipFill>
+        <p:spPr>
+          <a:xfrm>
+            <a:off x="6404900" y="340337"/>
+            <a:ext cx="1939513" cy="6285988"/>
+          </a:xfrm>
+          <a:prstGeom prst="rect">
+            <a:avLst/>
+          </a:prstGeom>
+        </p:spPr>
+      </p:pic>
     </p:spTree>
     <p:extLst>
       <p:ext uri="{BB962C8B-B14F-4D97-AF65-F5344CB8AC3E}">
@@ -12637,6 +12697,36 @@
           <a:chExt cx="0" cy="0"/>
         </a:xfrm>
       </p:grpSpPr>
+      <p:pic>
+        <p:nvPicPr>
+          <p:cNvPr id="4" name="Picture 3">
+            <a:extLst>
+              <a:ext uri="{FF2B5EF4-FFF2-40B4-BE49-F238E27FC236}">
+                <a16:creationId xmlns:a16="http://schemas.microsoft.com/office/drawing/2014/main" id="{1BA51C6C-698E-4755-82CD-3845AFFB1A10}"/>
+              </a:ext>
+            </a:extLst>
+          </p:cNvPr>
+          <p:cNvPicPr>
+            <a:picLocks noChangeAspect="1"/>
+          </p:cNvPicPr>
+          <p:nvPr/>
+        </p:nvPicPr>
+        <p:blipFill>
+          <a:blip r:embed="rId2"/>
+          <a:stretch>
+            <a:fillRect/>
+          </a:stretch>
+        </p:blipFill>
+        <p:spPr>
+          <a:xfrm>
+            <a:off x="10183651" y="522790"/>
+            <a:ext cx="1612349" cy="5812420"/>
+          </a:xfrm>
+          <a:prstGeom prst="rect">
+            <a:avLst/>
+          </a:prstGeom>
+        </p:spPr>
+      </p:pic>
       <p:sp>
         <p:nvSpPr>
           <p:cNvPr id="2" name="Title 1">
@@ -12690,49 +12780,37 @@
         </p:spPr>
         <p:txBody>
           <a:bodyPr>
-            <a:normAutofit fontScale="70000" lnSpcReduction="20000"/>
+            <a:normAutofit/>
           </a:bodyPr>
           <a:lstStyle/>
           <a:p>
             <a:r>
-              <a:rPr lang="nl-NL" dirty="0"/>
-              <a:t>US5.1 Als product owner wil ik dat het juiste saldo wordt aangegeven op de GUI</a:t>
+              <a:rPr lang="en-US" dirty="0"/>
+              <a:t>GUI </a:t>
             </a:r>
-          </a:p>
-          <a:p>
             <a:r>
-              <a:rPr lang="nl-NL" dirty="0"/>
-              <a:t>US3.1 Als gebruiker wil ik mijn pincode in kunnen voeren</a:t>
+              <a:rPr lang="en-US" dirty="0" err="1"/>
+              <a:t>koppelen</a:t>
             </a:r>
-          </a:p>
-          <a:p>
             <a:r>
-              <a:rPr lang="nl-NL" dirty="0"/>
-              <a:t>US2.2 Als product owner wil ik dat het juiste account wordt geopend na het scannen</a:t>
+              <a:rPr lang="en-US" dirty="0"/>
+              <a:t> </a:t>
             </a:r>
-          </a:p>
-          <a:p>
             <a:r>
-              <a:rPr lang="nl-NL" dirty="0"/>
-              <a:t>US8.1 Als gebruiker wil ik altijd kunnen stoppen met pinnen zonder dat er geld wordt afgeschreven</a:t>
+              <a:rPr lang="en-US" dirty="0" err="1"/>
+              <a:t>aan</a:t>
             </a:r>
-          </a:p>
-          <a:p>
             <a:r>
-              <a:rPr lang="nl-NL" dirty="0"/>
-              <a:t> US12.1 Als product owner wil ik dat het aantal pogingen van ingetoetste pincodes onthouden wordt</a:t>
+              <a:rPr lang="en-US" dirty="0"/>
+              <a:t> database </a:t>
             </a:r>
-          </a:p>
-          <a:p>
             <a:r>
-              <a:rPr lang="nl-NL" dirty="0"/>
-              <a:t>US12.2 Als gebruiker wil ik zien hoevaak er een foute pincode is ingevoerd</a:t>
+              <a:rPr lang="en-US" dirty="0" err="1"/>
+              <a:t>en</a:t>
             </a:r>
-          </a:p>
-          <a:p>
             <a:r>
-              <a:rPr lang="nl-NL" dirty="0"/>
-              <a:t>US14.1 Als product owner wil ik dat na de correcte pincode de foutpogingen gereset worden</a:t>
+              <a:rPr lang="en-US" dirty="0"/>
+              <a:t> arduino</a:t>
             </a:r>
             <a:endParaRPr lang="en-NL" dirty="0"/>
           </a:p>

--- a/PO meeting/PO Meeting Sprint 3 .pptx
+++ b/PO meeting/PO Meeting Sprint 3 .pptx
@@ -12810,8 +12810,13 @@
             </a:r>
             <a:r>
               <a:rPr lang="en-US" dirty="0"/>
-              <a:t> arduino</a:t>
+              <a:t> arduino </a:t>
             </a:r>
+          </a:p>
+          <a:p>
+            <a:endParaRPr lang="en-US" dirty="0"/>
+          </a:p>
+          <a:p>
             <a:endParaRPr lang="en-NL" dirty="0"/>
           </a:p>
         </p:txBody>
